--- a/ppt 16-9/0469.鸽子，飞吧.pptx
+++ b/ppt 16-9/0469.鸽子，飞吧.pptx
@@ -129,7 +129,7 @@
           <p:cNvPr id="2" name="标题 1">
             <a:extLst>
               <a:ext uri="{FF2B5EF4-FFF2-40B4-BE49-F238E27FC236}">
-                <a16:creationId xmlns:a16="http://schemas.microsoft.com/office/drawing/2014/main" id="{7178120B-C75F-75B3-9FC1-E306663BA47D}"/>
+                <a16:creationId xmlns:a16="http://schemas.microsoft.com/office/drawing/2014/main" id="{616E3405-CC77-4FFA-4AA8-51A545758E3F}"/>
               </a:ext>
             </a:extLst>
           </p:cNvPr>
@@ -166,7 +166,7 @@
           <p:cNvPr id="3" name="副标题 2">
             <a:extLst>
               <a:ext uri="{FF2B5EF4-FFF2-40B4-BE49-F238E27FC236}">
-                <a16:creationId xmlns:a16="http://schemas.microsoft.com/office/drawing/2014/main" id="{3ED18981-BD84-744F-71EB-D188866D108C}"/>
+                <a16:creationId xmlns:a16="http://schemas.microsoft.com/office/drawing/2014/main" id="{5AC14778-67C5-BDC8-CD82-A71AB2AE960D}"/>
               </a:ext>
             </a:extLst>
           </p:cNvPr>
@@ -236,7 +236,7 @@
           <p:cNvPr id="4" name="日期占位符 3">
             <a:extLst>
               <a:ext uri="{FF2B5EF4-FFF2-40B4-BE49-F238E27FC236}">
-                <a16:creationId xmlns:a16="http://schemas.microsoft.com/office/drawing/2014/main" id="{C7AE69DD-6049-37CC-FD2D-B1F1529B7824}"/>
+                <a16:creationId xmlns:a16="http://schemas.microsoft.com/office/drawing/2014/main" id="{F3EC7728-50D2-72D9-7C00-66EB0CD140FC}"/>
               </a:ext>
             </a:extLst>
           </p:cNvPr>
@@ -252,7 +252,7 @@
           <a:bodyPr/>
           <a:lstStyle/>
           <a:p>
-            <a:fld id="{199E7E3A-2EE9-463A-9960-6430F9241ABF}" type="datetimeFigureOut">
+            <a:fld id="{EB2A96D8-D90C-4978-A003-46073277A444}" type="datetimeFigureOut">
               <a:rPr lang="zh-CN" altLang="en-US" smtClean="0"/>
               <a:t>2024/3/10</a:t>
             </a:fld>
@@ -265,7 +265,7 @@
           <p:cNvPr id="5" name="页脚占位符 4">
             <a:extLst>
               <a:ext uri="{FF2B5EF4-FFF2-40B4-BE49-F238E27FC236}">
-                <a16:creationId xmlns:a16="http://schemas.microsoft.com/office/drawing/2014/main" id="{F5839FE6-1D1C-3BEF-2B8D-4C20043DE6A9}"/>
+                <a16:creationId xmlns:a16="http://schemas.microsoft.com/office/drawing/2014/main" id="{B865CBC5-14EB-1A21-6EB3-73527F08399F}"/>
               </a:ext>
             </a:extLst>
           </p:cNvPr>
@@ -290,7 +290,7 @@
           <p:cNvPr id="6" name="灯片编号占位符 5">
             <a:extLst>
               <a:ext uri="{FF2B5EF4-FFF2-40B4-BE49-F238E27FC236}">
-                <a16:creationId xmlns:a16="http://schemas.microsoft.com/office/drawing/2014/main" id="{4D7C337F-C25F-029F-C019-FB5D6F367A82}"/>
+                <a16:creationId xmlns:a16="http://schemas.microsoft.com/office/drawing/2014/main" id="{A210572E-D0A8-26FF-4D48-DC04FC58A5E2}"/>
               </a:ext>
             </a:extLst>
           </p:cNvPr>
@@ -306,7 +306,7 @@
           <a:bodyPr/>
           <a:lstStyle/>
           <a:p>
-            <a:fld id="{A9F3D8AB-8314-4C48-8D17-77EF6D470049}" type="slidenum">
+            <a:fld id="{1D82DDD1-53E0-4D66-AE10-5E363B84E021}" type="slidenum">
               <a:rPr lang="zh-CN" altLang="en-US" smtClean="0"/>
               <a:t>‹#›</a:t>
             </a:fld>
@@ -317,7 +317,7 @@
     </p:spTree>
     <p:extLst>
       <p:ext uri="{BB962C8B-B14F-4D97-AF65-F5344CB8AC3E}">
-        <p14:creationId xmlns:p14="http://schemas.microsoft.com/office/powerpoint/2010/main" val="2673248026"/>
+        <p14:creationId xmlns:p14="http://schemas.microsoft.com/office/powerpoint/2010/main" val="2963956066"/>
       </p:ext>
     </p:extLst>
   </p:cSld>
@@ -349,7 +349,7 @@
           <p:cNvPr id="2" name="标题 1">
             <a:extLst>
               <a:ext uri="{FF2B5EF4-FFF2-40B4-BE49-F238E27FC236}">
-                <a16:creationId xmlns:a16="http://schemas.microsoft.com/office/drawing/2014/main" id="{F70CE248-12E1-DEBD-F393-5CC5100CD4E1}"/>
+                <a16:creationId xmlns:a16="http://schemas.microsoft.com/office/drawing/2014/main" id="{D17EEE40-4E35-BCCB-2EA3-183D201D23BD}"/>
               </a:ext>
             </a:extLst>
           </p:cNvPr>
@@ -377,7 +377,7 @@
           <p:cNvPr id="3" name="竖排文字占位符 2">
             <a:extLst>
               <a:ext uri="{FF2B5EF4-FFF2-40B4-BE49-F238E27FC236}">
-                <a16:creationId xmlns:a16="http://schemas.microsoft.com/office/drawing/2014/main" id="{11718114-6E99-3885-946B-9FB62B01FE2C}"/>
+                <a16:creationId xmlns:a16="http://schemas.microsoft.com/office/drawing/2014/main" id="{9CB9E827-AFDD-5F3C-DA83-163AEF6E63C5}"/>
               </a:ext>
             </a:extLst>
           </p:cNvPr>
@@ -434,7 +434,7 @@
           <p:cNvPr id="4" name="日期占位符 3">
             <a:extLst>
               <a:ext uri="{FF2B5EF4-FFF2-40B4-BE49-F238E27FC236}">
-                <a16:creationId xmlns:a16="http://schemas.microsoft.com/office/drawing/2014/main" id="{51D9DB1A-35B7-B50E-50A3-636F47CEF2BC}"/>
+                <a16:creationId xmlns:a16="http://schemas.microsoft.com/office/drawing/2014/main" id="{FEDE5D69-2660-2888-F92D-287171A994A2}"/>
               </a:ext>
             </a:extLst>
           </p:cNvPr>
@@ -450,7 +450,7 @@
           <a:bodyPr/>
           <a:lstStyle/>
           <a:p>
-            <a:fld id="{199E7E3A-2EE9-463A-9960-6430F9241ABF}" type="datetimeFigureOut">
+            <a:fld id="{EB2A96D8-D90C-4978-A003-46073277A444}" type="datetimeFigureOut">
               <a:rPr lang="zh-CN" altLang="en-US" smtClean="0"/>
               <a:t>2024/3/10</a:t>
             </a:fld>
@@ -463,7 +463,7 @@
           <p:cNvPr id="5" name="页脚占位符 4">
             <a:extLst>
               <a:ext uri="{FF2B5EF4-FFF2-40B4-BE49-F238E27FC236}">
-                <a16:creationId xmlns:a16="http://schemas.microsoft.com/office/drawing/2014/main" id="{126F2EA0-5085-2064-6B05-FDDBB1873B21}"/>
+                <a16:creationId xmlns:a16="http://schemas.microsoft.com/office/drawing/2014/main" id="{DAC659F1-E560-C812-B9F2-13F2ECF17C70}"/>
               </a:ext>
             </a:extLst>
           </p:cNvPr>
@@ -488,7 +488,7 @@
           <p:cNvPr id="6" name="灯片编号占位符 5">
             <a:extLst>
               <a:ext uri="{FF2B5EF4-FFF2-40B4-BE49-F238E27FC236}">
-                <a16:creationId xmlns:a16="http://schemas.microsoft.com/office/drawing/2014/main" id="{AE57EB7A-882D-0136-D01B-E84D6A423039}"/>
+                <a16:creationId xmlns:a16="http://schemas.microsoft.com/office/drawing/2014/main" id="{2F949029-DEC0-C3BA-8A26-FBA6230951AC}"/>
               </a:ext>
             </a:extLst>
           </p:cNvPr>
@@ -504,7 +504,7 @@
           <a:bodyPr/>
           <a:lstStyle/>
           <a:p>
-            <a:fld id="{A9F3D8AB-8314-4C48-8D17-77EF6D470049}" type="slidenum">
+            <a:fld id="{1D82DDD1-53E0-4D66-AE10-5E363B84E021}" type="slidenum">
               <a:rPr lang="zh-CN" altLang="en-US" smtClean="0"/>
               <a:t>‹#›</a:t>
             </a:fld>
@@ -515,7 +515,7 @@
     </p:spTree>
     <p:extLst>
       <p:ext uri="{BB962C8B-B14F-4D97-AF65-F5344CB8AC3E}">
-        <p14:creationId xmlns:p14="http://schemas.microsoft.com/office/powerpoint/2010/main" val="1267264110"/>
+        <p14:creationId xmlns:p14="http://schemas.microsoft.com/office/powerpoint/2010/main" val="3308553664"/>
       </p:ext>
     </p:extLst>
   </p:cSld>
@@ -547,7 +547,7 @@
           <p:cNvPr id="2" name="竖排标题 1">
             <a:extLst>
               <a:ext uri="{FF2B5EF4-FFF2-40B4-BE49-F238E27FC236}">
-                <a16:creationId xmlns:a16="http://schemas.microsoft.com/office/drawing/2014/main" id="{8214DF33-67D5-4599-7946-07564591FC17}"/>
+                <a16:creationId xmlns:a16="http://schemas.microsoft.com/office/drawing/2014/main" id="{16F1BC9C-7EA6-8EB5-C88F-0D8B0C6F764B}"/>
               </a:ext>
             </a:extLst>
           </p:cNvPr>
@@ -580,7 +580,7 @@
           <p:cNvPr id="3" name="竖排文字占位符 2">
             <a:extLst>
               <a:ext uri="{FF2B5EF4-FFF2-40B4-BE49-F238E27FC236}">
-                <a16:creationId xmlns:a16="http://schemas.microsoft.com/office/drawing/2014/main" id="{79680CB7-726C-419A-3782-AFB656A982FB}"/>
+                <a16:creationId xmlns:a16="http://schemas.microsoft.com/office/drawing/2014/main" id="{34CD528B-E893-EE30-716C-F556053D6D4A}"/>
               </a:ext>
             </a:extLst>
           </p:cNvPr>
@@ -642,7 +642,7 @@
           <p:cNvPr id="4" name="日期占位符 3">
             <a:extLst>
               <a:ext uri="{FF2B5EF4-FFF2-40B4-BE49-F238E27FC236}">
-                <a16:creationId xmlns:a16="http://schemas.microsoft.com/office/drawing/2014/main" id="{9A26F9FD-04A2-10C5-77F8-BE4F0894C637}"/>
+                <a16:creationId xmlns:a16="http://schemas.microsoft.com/office/drawing/2014/main" id="{C346A350-798E-D51C-836D-932A13C7E979}"/>
               </a:ext>
             </a:extLst>
           </p:cNvPr>
@@ -658,7 +658,7 @@
           <a:bodyPr/>
           <a:lstStyle/>
           <a:p>
-            <a:fld id="{199E7E3A-2EE9-463A-9960-6430F9241ABF}" type="datetimeFigureOut">
+            <a:fld id="{EB2A96D8-D90C-4978-A003-46073277A444}" type="datetimeFigureOut">
               <a:rPr lang="zh-CN" altLang="en-US" smtClean="0"/>
               <a:t>2024/3/10</a:t>
             </a:fld>
@@ -671,7 +671,7 @@
           <p:cNvPr id="5" name="页脚占位符 4">
             <a:extLst>
               <a:ext uri="{FF2B5EF4-FFF2-40B4-BE49-F238E27FC236}">
-                <a16:creationId xmlns:a16="http://schemas.microsoft.com/office/drawing/2014/main" id="{19AC1562-6F7E-16A8-A3E5-1197848AB378}"/>
+                <a16:creationId xmlns:a16="http://schemas.microsoft.com/office/drawing/2014/main" id="{20313204-2E19-3DBA-3FFF-DE816A56E794}"/>
               </a:ext>
             </a:extLst>
           </p:cNvPr>
@@ -696,7 +696,7 @@
           <p:cNvPr id="6" name="灯片编号占位符 5">
             <a:extLst>
               <a:ext uri="{FF2B5EF4-FFF2-40B4-BE49-F238E27FC236}">
-                <a16:creationId xmlns:a16="http://schemas.microsoft.com/office/drawing/2014/main" id="{5D2BA0FD-E9D2-0374-C9E7-C68FCB4BECD9}"/>
+                <a16:creationId xmlns:a16="http://schemas.microsoft.com/office/drawing/2014/main" id="{06E4B0D9-310A-F0D5-C7C2-F6FBDC0AF3C9}"/>
               </a:ext>
             </a:extLst>
           </p:cNvPr>
@@ -712,7 +712,7 @@
           <a:bodyPr/>
           <a:lstStyle/>
           <a:p>
-            <a:fld id="{A9F3D8AB-8314-4C48-8D17-77EF6D470049}" type="slidenum">
+            <a:fld id="{1D82DDD1-53E0-4D66-AE10-5E363B84E021}" type="slidenum">
               <a:rPr lang="zh-CN" altLang="en-US" smtClean="0"/>
               <a:t>‹#›</a:t>
             </a:fld>
@@ -723,7 +723,7 @@
     </p:spTree>
     <p:extLst>
       <p:ext uri="{BB962C8B-B14F-4D97-AF65-F5344CB8AC3E}">
-        <p14:creationId xmlns:p14="http://schemas.microsoft.com/office/powerpoint/2010/main" val="2135021906"/>
+        <p14:creationId xmlns:p14="http://schemas.microsoft.com/office/powerpoint/2010/main" val="1311649598"/>
       </p:ext>
     </p:extLst>
   </p:cSld>
@@ -755,7 +755,7 @@
           <p:cNvPr id="2" name="标题 1">
             <a:extLst>
               <a:ext uri="{FF2B5EF4-FFF2-40B4-BE49-F238E27FC236}">
-                <a16:creationId xmlns:a16="http://schemas.microsoft.com/office/drawing/2014/main" id="{444D1D57-4CA1-FC20-EE1A-117C7925FE52}"/>
+                <a16:creationId xmlns:a16="http://schemas.microsoft.com/office/drawing/2014/main" id="{79624BB0-3B32-68E9-A0B9-54746FB5E153}"/>
               </a:ext>
             </a:extLst>
           </p:cNvPr>
@@ -783,7 +783,7 @@
           <p:cNvPr id="3" name="内容占位符 2">
             <a:extLst>
               <a:ext uri="{FF2B5EF4-FFF2-40B4-BE49-F238E27FC236}">
-                <a16:creationId xmlns:a16="http://schemas.microsoft.com/office/drawing/2014/main" id="{D656E89C-1CDC-2E4A-849F-0CEE89FA403C}"/>
+                <a16:creationId xmlns:a16="http://schemas.microsoft.com/office/drawing/2014/main" id="{39278396-CF34-C0C0-3941-45B00F9B62BA}"/>
               </a:ext>
             </a:extLst>
           </p:cNvPr>
@@ -840,7 +840,7 @@
           <p:cNvPr id="4" name="日期占位符 3">
             <a:extLst>
               <a:ext uri="{FF2B5EF4-FFF2-40B4-BE49-F238E27FC236}">
-                <a16:creationId xmlns:a16="http://schemas.microsoft.com/office/drawing/2014/main" id="{E76530E4-7496-468F-5AEA-B8721020F704}"/>
+                <a16:creationId xmlns:a16="http://schemas.microsoft.com/office/drawing/2014/main" id="{5B2B1CF0-3969-01BD-5AC6-BA7E3661EBF6}"/>
               </a:ext>
             </a:extLst>
           </p:cNvPr>
@@ -856,7 +856,7 @@
           <a:bodyPr/>
           <a:lstStyle/>
           <a:p>
-            <a:fld id="{199E7E3A-2EE9-463A-9960-6430F9241ABF}" type="datetimeFigureOut">
+            <a:fld id="{EB2A96D8-D90C-4978-A003-46073277A444}" type="datetimeFigureOut">
               <a:rPr lang="zh-CN" altLang="en-US" smtClean="0"/>
               <a:t>2024/3/10</a:t>
             </a:fld>
@@ -869,7 +869,7 @@
           <p:cNvPr id="5" name="页脚占位符 4">
             <a:extLst>
               <a:ext uri="{FF2B5EF4-FFF2-40B4-BE49-F238E27FC236}">
-                <a16:creationId xmlns:a16="http://schemas.microsoft.com/office/drawing/2014/main" id="{6AEAEB42-0D7D-1FEE-BF77-44A8E884890F}"/>
+                <a16:creationId xmlns:a16="http://schemas.microsoft.com/office/drawing/2014/main" id="{A25E60AE-98AD-FFAB-472B-3B7A399533D2}"/>
               </a:ext>
             </a:extLst>
           </p:cNvPr>
@@ -894,7 +894,7 @@
           <p:cNvPr id="6" name="灯片编号占位符 5">
             <a:extLst>
               <a:ext uri="{FF2B5EF4-FFF2-40B4-BE49-F238E27FC236}">
-                <a16:creationId xmlns:a16="http://schemas.microsoft.com/office/drawing/2014/main" id="{8F7AC51C-E4CF-9A77-1042-2A18E192743C}"/>
+                <a16:creationId xmlns:a16="http://schemas.microsoft.com/office/drawing/2014/main" id="{EA946FF7-F58B-06B4-5F5C-5F243ECD624B}"/>
               </a:ext>
             </a:extLst>
           </p:cNvPr>
@@ -910,7 +910,7 @@
           <a:bodyPr/>
           <a:lstStyle/>
           <a:p>
-            <a:fld id="{A9F3D8AB-8314-4C48-8D17-77EF6D470049}" type="slidenum">
+            <a:fld id="{1D82DDD1-53E0-4D66-AE10-5E363B84E021}" type="slidenum">
               <a:rPr lang="zh-CN" altLang="en-US" smtClean="0"/>
               <a:t>‹#›</a:t>
             </a:fld>
@@ -921,7 +921,7 @@
     </p:spTree>
     <p:extLst>
       <p:ext uri="{BB962C8B-B14F-4D97-AF65-F5344CB8AC3E}">
-        <p14:creationId xmlns:p14="http://schemas.microsoft.com/office/powerpoint/2010/main" val="3467378704"/>
+        <p14:creationId xmlns:p14="http://schemas.microsoft.com/office/powerpoint/2010/main" val="3223857468"/>
       </p:ext>
     </p:extLst>
   </p:cSld>
@@ -953,7 +953,7 @@
           <p:cNvPr id="2" name="标题 1">
             <a:extLst>
               <a:ext uri="{FF2B5EF4-FFF2-40B4-BE49-F238E27FC236}">
-                <a16:creationId xmlns:a16="http://schemas.microsoft.com/office/drawing/2014/main" id="{BEB1F2ED-7BAA-5C08-206A-5C3A0535E45D}"/>
+                <a16:creationId xmlns:a16="http://schemas.microsoft.com/office/drawing/2014/main" id="{A368AF4B-07A5-0835-DB90-703F60528C7A}"/>
               </a:ext>
             </a:extLst>
           </p:cNvPr>
@@ -990,7 +990,7 @@
           <p:cNvPr id="3" name="文本占位符 2">
             <a:extLst>
               <a:ext uri="{FF2B5EF4-FFF2-40B4-BE49-F238E27FC236}">
-                <a16:creationId xmlns:a16="http://schemas.microsoft.com/office/drawing/2014/main" id="{235C53FA-118B-03CA-9237-D4C301ED9E87}"/>
+                <a16:creationId xmlns:a16="http://schemas.microsoft.com/office/drawing/2014/main" id="{97ACDE1E-1633-C4EE-5D48-D2ABC74DDECA}"/>
               </a:ext>
             </a:extLst>
           </p:cNvPr>
@@ -1115,7 +1115,7 @@
           <p:cNvPr id="4" name="日期占位符 3">
             <a:extLst>
               <a:ext uri="{FF2B5EF4-FFF2-40B4-BE49-F238E27FC236}">
-                <a16:creationId xmlns:a16="http://schemas.microsoft.com/office/drawing/2014/main" id="{B8045A3F-73E7-07A2-4584-550C142ECD09}"/>
+                <a16:creationId xmlns:a16="http://schemas.microsoft.com/office/drawing/2014/main" id="{422E7DC4-9B7B-1CC9-00F7-1C88D3190548}"/>
               </a:ext>
             </a:extLst>
           </p:cNvPr>
@@ -1131,7 +1131,7 @@
           <a:bodyPr/>
           <a:lstStyle/>
           <a:p>
-            <a:fld id="{199E7E3A-2EE9-463A-9960-6430F9241ABF}" type="datetimeFigureOut">
+            <a:fld id="{EB2A96D8-D90C-4978-A003-46073277A444}" type="datetimeFigureOut">
               <a:rPr lang="zh-CN" altLang="en-US" smtClean="0"/>
               <a:t>2024/3/10</a:t>
             </a:fld>
@@ -1144,7 +1144,7 @@
           <p:cNvPr id="5" name="页脚占位符 4">
             <a:extLst>
               <a:ext uri="{FF2B5EF4-FFF2-40B4-BE49-F238E27FC236}">
-                <a16:creationId xmlns:a16="http://schemas.microsoft.com/office/drawing/2014/main" id="{1F9ADBD2-05CF-DE6D-E63C-9C43DEBDAF62}"/>
+                <a16:creationId xmlns:a16="http://schemas.microsoft.com/office/drawing/2014/main" id="{2E0BAC00-6747-14F6-54B1-1149ED7C57DF}"/>
               </a:ext>
             </a:extLst>
           </p:cNvPr>
@@ -1169,7 +1169,7 @@
           <p:cNvPr id="6" name="灯片编号占位符 5">
             <a:extLst>
               <a:ext uri="{FF2B5EF4-FFF2-40B4-BE49-F238E27FC236}">
-                <a16:creationId xmlns:a16="http://schemas.microsoft.com/office/drawing/2014/main" id="{9B700888-8BE4-1C5A-BA11-9B5A446D081A}"/>
+                <a16:creationId xmlns:a16="http://schemas.microsoft.com/office/drawing/2014/main" id="{0EA16C02-BA2D-D371-1D87-46C4E7E2F44B}"/>
               </a:ext>
             </a:extLst>
           </p:cNvPr>
@@ -1185,7 +1185,7 @@
           <a:bodyPr/>
           <a:lstStyle/>
           <a:p>
-            <a:fld id="{A9F3D8AB-8314-4C48-8D17-77EF6D470049}" type="slidenum">
+            <a:fld id="{1D82DDD1-53E0-4D66-AE10-5E363B84E021}" type="slidenum">
               <a:rPr lang="zh-CN" altLang="en-US" smtClean="0"/>
               <a:t>‹#›</a:t>
             </a:fld>
@@ -1196,7 +1196,7 @@
     </p:spTree>
     <p:extLst>
       <p:ext uri="{BB962C8B-B14F-4D97-AF65-F5344CB8AC3E}">
-        <p14:creationId xmlns:p14="http://schemas.microsoft.com/office/powerpoint/2010/main" val="2811391083"/>
+        <p14:creationId xmlns:p14="http://schemas.microsoft.com/office/powerpoint/2010/main" val="3642867487"/>
       </p:ext>
     </p:extLst>
   </p:cSld>
@@ -1228,7 +1228,7 @@
           <p:cNvPr id="2" name="标题 1">
             <a:extLst>
               <a:ext uri="{FF2B5EF4-FFF2-40B4-BE49-F238E27FC236}">
-                <a16:creationId xmlns:a16="http://schemas.microsoft.com/office/drawing/2014/main" id="{FB57187D-E2F4-605D-15B9-8010E6C4ADFD}"/>
+                <a16:creationId xmlns:a16="http://schemas.microsoft.com/office/drawing/2014/main" id="{119CA6AB-424D-571D-6884-DC5CC3051E8A}"/>
               </a:ext>
             </a:extLst>
           </p:cNvPr>
@@ -1256,7 +1256,7 @@
           <p:cNvPr id="3" name="内容占位符 2">
             <a:extLst>
               <a:ext uri="{FF2B5EF4-FFF2-40B4-BE49-F238E27FC236}">
-                <a16:creationId xmlns:a16="http://schemas.microsoft.com/office/drawing/2014/main" id="{B620E2C8-1129-A54D-BE98-FDFAB2A744CD}"/>
+                <a16:creationId xmlns:a16="http://schemas.microsoft.com/office/drawing/2014/main" id="{A978F792-FB90-C37B-1B55-D9DBBDAF13A4}"/>
               </a:ext>
             </a:extLst>
           </p:cNvPr>
@@ -1318,7 +1318,7 @@
           <p:cNvPr id="4" name="内容占位符 3">
             <a:extLst>
               <a:ext uri="{FF2B5EF4-FFF2-40B4-BE49-F238E27FC236}">
-                <a16:creationId xmlns:a16="http://schemas.microsoft.com/office/drawing/2014/main" id="{7575F4FC-D480-4570-37D5-DF38980C828D}"/>
+                <a16:creationId xmlns:a16="http://schemas.microsoft.com/office/drawing/2014/main" id="{44724D49-D074-84E4-0A79-C5FD717F0E8D}"/>
               </a:ext>
             </a:extLst>
           </p:cNvPr>
@@ -1380,7 +1380,7 @@
           <p:cNvPr id="5" name="日期占位符 4">
             <a:extLst>
               <a:ext uri="{FF2B5EF4-FFF2-40B4-BE49-F238E27FC236}">
-                <a16:creationId xmlns:a16="http://schemas.microsoft.com/office/drawing/2014/main" id="{306DD21B-6362-035F-1C33-74100240A436}"/>
+                <a16:creationId xmlns:a16="http://schemas.microsoft.com/office/drawing/2014/main" id="{E1BD4EDA-BECE-AC2C-8C39-1BFF3A38A632}"/>
               </a:ext>
             </a:extLst>
           </p:cNvPr>
@@ -1396,7 +1396,7 @@
           <a:bodyPr/>
           <a:lstStyle/>
           <a:p>
-            <a:fld id="{199E7E3A-2EE9-463A-9960-6430F9241ABF}" type="datetimeFigureOut">
+            <a:fld id="{EB2A96D8-D90C-4978-A003-46073277A444}" type="datetimeFigureOut">
               <a:rPr lang="zh-CN" altLang="en-US" smtClean="0"/>
               <a:t>2024/3/10</a:t>
             </a:fld>
@@ -1409,7 +1409,7 @@
           <p:cNvPr id="6" name="页脚占位符 5">
             <a:extLst>
               <a:ext uri="{FF2B5EF4-FFF2-40B4-BE49-F238E27FC236}">
-                <a16:creationId xmlns:a16="http://schemas.microsoft.com/office/drawing/2014/main" id="{E5DC388A-AD8D-912D-AE02-5233E52A92AA}"/>
+                <a16:creationId xmlns:a16="http://schemas.microsoft.com/office/drawing/2014/main" id="{1CA8C820-4B45-6A7E-1DCE-AF897465E3F1}"/>
               </a:ext>
             </a:extLst>
           </p:cNvPr>
@@ -1434,7 +1434,7 @@
           <p:cNvPr id="7" name="灯片编号占位符 6">
             <a:extLst>
               <a:ext uri="{FF2B5EF4-FFF2-40B4-BE49-F238E27FC236}">
-                <a16:creationId xmlns:a16="http://schemas.microsoft.com/office/drawing/2014/main" id="{83D43558-243A-855F-A612-67A55EB3AB89}"/>
+                <a16:creationId xmlns:a16="http://schemas.microsoft.com/office/drawing/2014/main" id="{82D9EF05-C934-77DD-C4B3-2B268308D7E7}"/>
               </a:ext>
             </a:extLst>
           </p:cNvPr>
@@ -1450,7 +1450,7 @@
           <a:bodyPr/>
           <a:lstStyle/>
           <a:p>
-            <a:fld id="{A9F3D8AB-8314-4C48-8D17-77EF6D470049}" type="slidenum">
+            <a:fld id="{1D82DDD1-53E0-4D66-AE10-5E363B84E021}" type="slidenum">
               <a:rPr lang="zh-CN" altLang="en-US" smtClean="0"/>
               <a:t>‹#›</a:t>
             </a:fld>
@@ -1461,7 +1461,7 @@
     </p:spTree>
     <p:extLst>
       <p:ext uri="{BB962C8B-B14F-4D97-AF65-F5344CB8AC3E}">
-        <p14:creationId xmlns:p14="http://schemas.microsoft.com/office/powerpoint/2010/main" val="2209779515"/>
+        <p14:creationId xmlns:p14="http://schemas.microsoft.com/office/powerpoint/2010/main" val="1184852827"/>
       </p:ext>
     </p:extLst>
   </p:cSld>
@@ -1493,7 +1493,7 @@
           <p:cNvPr id="2" name="标题 1">
             <a:extLst>
               <a:ext uri="{FF2B5EF4-FFF2-40B4-BE49-F238E27FC236}">
-                <a16:creationId xmlns:a16="http://schemas.microsoft.com/office/drawing/2014/main" id="{D4F25E48-E03D-B9D7-31C6-F0D706D1E5B3}"/>
+                <a16:creationId xmlns:a16="http://schemas.microsoft.com/office/drawing/2014/main" id="{9186F280-B81D-769C-6E79-99C907A47B90}"/>
               </a:ext>
             </a:extLst>
           </p:cNvPr>
@@ -1526,7 +1526,7 @@
           <p:cNvPr id="3" name="文本占位符 2">
             <a:extLst>
               <a:ext uri="{FF2B5EF4-FFF2-40B4-BE49-F238E27FC236}">
-                <a16:creationId xmlns:a16="http://schemas.microsoft.com/office/drawing/2014/main" id="{FF670A12-54B4-30C1-DB86-7BC54378B1DB}"/>
+                <a16:creationId xmlns:a16="http://schemas.microsoft.com/office/drawing/2014/main" id="{589461C3-7F28-D814-986C-AAA0DD0A81F4}"/>
               </a:ext>
             </a:extLst>
           </p:cNvPr>
@@ -1597,7 +1597,7 @@
           <p:cNvPr id="4" name="内容占位符 3">
             <a:extLst>
               <a:ext uri="{FF2B5EF4-FFF2-40B4-BE49-F238E27FC236}">
-                <a16:creationId xmlns:a16="http://schemas.microsoft.com/office/drawing/2014/main" id="{9E877E7C-6968-AD1C-6412-72830D1B2AB8}"/>
+                <a16:creationId xmlns:a16="http://schemas.microsoft.com/office/drawing/2014/main" id="{DE846B38-B95A-FF64-F081-02256DE2B7A4}"/>
               </a:ext>
             </a:extLst>
           </p:cNvPr>
@@ -1659,7 +1659,7 @@
           <p:cNvPr id="5" name="文本占位符 4">
             <a:extLst>
               <a:ext uri="{FF2B5EF4-FFF2-40B4-BE49-F238E27FC236}">
-                <a16:creationId xmlns:a16="http://schemas.microsoft.com/office/drawing/2014/main" id="{6E70983B-6537-CAC8-5A6F-A52D87D32822}"/>
+                <a16:creationId xmlns:a16="http://schemas.microsoft.com/office/drawing/2014/main" id="{8429400E-218D-40E8-799F-17BB43B51B5C}"/>
               </a:ext>
             </a:extLst>
           </p:cNvPr>
@@ -1730,7 +1730,7 @@
           <p:cNvPr id="6" name="内容占位符 5">
             <a:extLst>
               <a:ext uri="{FF2B5EF4-FFF2-40B4-BE49-F238E27FC236}">
-                <a16:creationId xmlns:a16="http://schemas.microsoft.com/office/drawing/2014/main" id="{AD36B788-BF1C-023A-EF5C-8789B06691BB}"/>
+                <a16:creationId xmlns:a16="http://schemas.microsoft.com/office/drawing/2014/main" id="{99BFC1F2-B98C-7F8D-3350-31B5700E9A0F}"/>
               </a:ext>
             </a:extLst>
           </p:cNvPr>
@@ -1792,7 +1792,7 @@
           <p:cNvPr id="7" name="日期占位符 6">
             <a:extLst>
               <a:ext uri="{FF2B5EF4-FFF2-40B4-BE49-F238E27FC236}">
-                <a16:creationId xmlns:a16="http://schemas.microsoft.com/office/drawing/2014/main" id="{B01B8057-5BD6-E622-0707-384F337B33C7}"/>
+                <a16:creationId xmlns:a16="http://schemas.microsoft.com/office/drawing/2014/main" id="{483E4EE8-4467-F096-7ED4-6A98062D09F9}"/>
               </a:ext>
             </a:extLst>
           </p:cNvPr>
@@ -1808,7 +1808,7 @@
           <a:bodyPr/>
           <a:lstStyle/>
           <a:p>
-            <a:fld id="{199E7E3A-2EE9-463A-9960-6430F9241ABF}" type="datetimeFigureOut">
+            <a:fld id="{EB2A96D8-D90C-4978-A003-46073277A444}" type="datetimeFigureOut">
               <a:rPr lang="zh-CN" altLang="en-US" smtClean="0"/>
               <a:t>2024/3/10</a:t>
             </a:fld>
@@ -1821,7 +1821,7 @@
           <p:cNvPr id="8" name="页脚占位符 7">
             <a:extLst>
               <a:ext uri="{FF2B5EF4-FFF2-40B4-BE49-F238E27FC236}">
-                <a16:creationId xmlns:a16="http://schemas.microsoft.com/office/drawing/2014/main" id="{6C93C317-8DAB-5238-6475-E09EA1255170}"/>
+                <a16:creationId xmlns:a16="http://schemas.microsoft.com/office/drawing/2014/main" id="{233ACB14-7B36-EC7E-ED71-F27BCF5B8315}"/>
               </a:ext>
             </a:extLst>
           </p:cNvPr>
@@ -1846,7 +1846,7 @@
           <p:cNvPr id="9" name="灯片编号占位符 8">
             <a:extLst>
               <a:ext uri="{FF2B5EF4-FFF2-40B4-BE49-F238E27FC236}">
-                <a16:creationId xmlns:a16="http://schemas.microsoft.com/office/drawing/2014/main" id="{091E5CC7-8D4B-D7BA-8262-38DD746D7BB9}"/>
+                <a16:creationId xmlns:a16="http://schemas.microsoft.com/office/drawing/2014/main" id="{1164445A-418C-244B-6EDE-D84C7C8946E8}"/>
               </a:ext>
             </a:extLst>
           </p:cNvPr>
@@ -1862,7 +1862,7 @@
           <a:bodyPr/>
           <a:lstStyle/>
           <a:p>
-            <a:fld id="{A9F3D8AB-8314-4C48-8D17-77EF6D470049}" type="slidenum">
+            <a:fld id="{1D82DDD1-53E0-4D66-AE10-5E363B84E021}" type="slidenum">
               <a:rPr lang="zh-CN" altLang="en-US" smtClean="0"/>
               <a:t>‹#›</a:t>
             </a:fld>
@@ -1873,7 +1873,7 @@
     </p:spTree>
     <p:extLst>
       <p:ext uri="{BB962C8B-B14F-4D97-AF65-F5344CB8AC3E}">
-        <p14:creationId xmlns:p14="http://schemas.microsoft.com/office/powerpoint/2010/main" val="267070966"/>
+        <p14:creationId xmlns:p14="http://schemas.microsoft.com/office/powerpoint/2010/main" val="4215748104"/>
       </p:ext>
     </p:extLst>
   </p:cSld>
@@ -1905,7 +1905,7 @@
           <p:cNvPr id="2" name="标题 1">
             <a:extLst>
               <a:ext uri="{FF2B5EF4-FFF2-40B4-BE49-F238E27FC236}">
-                <a16:creationId xmlns:a16="http://schemas.microsoft.com/office/drawing/2014/main" id="{4ED30131-C0A6-5F7E-3219-5AC350CEC8EA}"/>
+                <a16:creationId xmlns:a16="http://schemas.microsoft.com/office/drawing/2014/main" id="{6BF3420F-F201-F8C7-74DE-1EFF2FB53E0E}"/>
               </a:ext>
             </a:extLst>
           </p:cNvPr>
@@ -1933,7 +1933,7 @@
           <p:cNvPr id="3" name="日期占位符 2">
             <a:extLst>
               <a:ext uri="{FF2B5EF4-FFF2-40B4-BE49-F238E27FC236}">
-                <a16:creationId xmlns:a16="http://schemas.microsoft.com/office/drawing/2014/main" id="{29EF063B-59A2-3C43-27C8-1B66DC940809}"/>
+                <a16:creationId xmlns:a16="http://schemas.microsoft.com/office/drawing/2014/main" id="{C346C391-7F4E-2441-C7B4-85FDB7E839A8}"/>
               </a:ext>
             </a:extLst>
           </p:cNvPr>
@@ -1949,7 +1949,7 @@
           <a:bodyPr/>
           <a:lstStyle/>
           <a:p>
-            <a:fld id="{199E7E3A-2EE9-463A-9960-6430F9241ABF}" type="datetimeFigureOut">
+            <a:fld id="{EB2A96D8-D90C-4978-A003-46073277A444}" type="datetimeFigureOut">
               <a:rPr lang="zh-CN" altLang="en-US" smtClean="0"/>
               <a:t>2024/3/10</a:t>
             </a:fld>
@@ -1962,7 +1962,7 @@
           <p:cNvPr id="4" name="页脚占位符 3">
             <a:extLst>
               <a:ext uri="{FF2B5EF4-FFF2-40B4-BE49-F238E27FC236}">
-                <a16:creationId xmlns:a16="http://schemas.microsoft.com/office/drawing/2014/main" id="{D4F9EE92-991D-434E-BE7D-D4C2338435AD}"/>
+                <a16:creationId xmlns:a16="http://schemas.microsoft.com/office/drawing/2014/main" id="{DE400825-1880-83C5-F209-7A1F568FC18A}"/>
               </a:ext>
             </a:extLst>
           </p:cNvPr>
@@ -1987,7 +1987,7 @@
           <p:cNvPr id="5" name="灯片编号占位符 4">
             <a:extLst>
               <a:ext uri="{FF2B5EF4-FFF2-40B4-BE49-F238E27FC236}">
-                <a16:creationId xmlns:a16="http://schemas.microsoft.com/office/drawing/2014/main" id="{BCD3D932-0E29-5A02-3FA8-5858DE35521A}"/>
+                <a16:creationId xmlns:a16="http://schemas.microsoft.com/office/drawing/2014/main" id="{B139C3A1-C0BD-A9C0-6BE3-BFAA1E14DACE}"/>
               </a:ext>
             </a:extLst>
           </p:cNvPr>
@@ -2003,7 +2003,7 @@
           <a:bodyPr/>
           <a:lstStyle/>
           <a:p>
-            <a:fld id="{A9F3D8AB-8314-4C48-8D17-77EF6D470049}" type="slidenum">
+            <a:fld id="{1D82DDD1-53E0-4D66-AE10-5E363B84E021}" type="slidenum">
               <a:rPr lang="zh-CN" altLang="en-US" smtClean="0"/>
               <a:t>‹#›</a:t>
             </a:fld>
@@ -2014,7 +2014,7 @@
     </p:spTree>
     <p:extLst>
       <p:ext uri="{BB962C8B-B14F-4D97-AF65-F5344CB8AC3E}">
-        <p14:creationId xmlns:p14="http://schemas.microsoft.com/office/powerpoint/2010/main" val="4281046858"/>
+        <p14:creationId xmlns:p14="http://schemas.microsoft.com/office/powerpoint/2010/main" val="2659539451"/>
       </p:ext>
     </p:extLst>
   </p:cSld>
@@ -2046,7 +2046,7 @@
           <p:cNvPr id="2" name="日期占位符 1">
             <a:extLst>
               <a:ext uri="{FF2B5EF4-FFF2-40B4-BE49-F238E27FC236}">
-                <a16:creationId xmlns:a16="http://schemas.microsoft.com/office/drawing/2014/main" id="{D642FAFB-39EA-3D11-9EC1-7F668B59692F}"/>
+                <a16:creationId xmlns:a16="http://schemas.microsoft.com/office/drawing/2014/main" id="{C34AE44E-8E87-8B81-4B86-FE304F4BADD3}"/>
               </a:ext>
             </a:extLst>
           </p:cNvPr>
@@ -2062,7 +2062,7 @@
           <a:bodyPr/>
           <a:lstStyle/>
           <a:p>
-            <a:fld id="{199E7E3A-2EE9-463A-9960-6430F9241ABF}" type="datetimeFigureOut">
+            <a:fld id="{EB2A96D8-D90C-4978-A003-46073277A444}" type="datetimeFigureOut">
               <a:rPr lang="zh-CN" altLang="en-US" smtClean="0"/>
               <a:t>2024/3/10</a:t>
             </a:fld>
@@ -2075,7 +2075,7 @@
           <p:cNvPr id="3" name="页脚占位符 2">
             <a:extLst>
               <a:ext uri="{FF2B5EF4-FFF2-40B4-BE49-F238E27FC236}">
-                <a16:creationId xmlns:a16="http://schemas.microsoft.com/office/drawing/2014/main" id="{43198E4D-FE7F-517A-32C3-3DDF198C9EE6}"/>
+                <a16:creationId xmlns:a16="http://schemas.microsoft.com/office/drawing/2014/main" id="{874BF18F-4191-DD1B-3F42-F8F0DF23BE29}"/>
               </a:ext>
             </a:extLst>
           </p:cNvPr>
@@ -2100,7 +2100,7 @@
           <p:cNvPr id="4" name="灯片编号占位符 3">
             <a:extLst>
               <a:ext uri="{FF2B5EF4-FFF2-40B4-BE49-F238E27FC236}">
-                <a16:creationId xmlns:a16="http://schemas.microsoft.com/office/drawing/2014/main" id="{D0334B87-CEA8-9969-31CF-EDDC07318C04}"/>
+                <a16:creationId xmlns:a16="http://schemas.microsoft.com/office/drawing/2014/main" id="{93D53478-F287-8B82-ADA2-3E07DD0AF482}"/>
               </a:ext>
             </a:extLst>
           </p:cNvPr>
@@ -2116,7 +2116,7 @@
           <a:bodyPr/>
           <a:lstStyle/>
           <a:p>
-            <a:fld id="{A9F3D8AB-8314-4C48-8D17-77EF6D470049}" type="slidenum">
+            <a:fld id="{1D82DDD1-53E0-4D66-AE10-5E363B84E021}" type="slidenum">
               <a:rPr lang="zh-CN" altLang="en-US" smtClean="0"/>
               <a:t>‹#›</a:t>
             </a:fld>
@@ -2127,7 +2127,7 @@
     </p:spTree>
     <p:extLst>
       <p:ext uri="{BB962C8B-B14F-4D97-AF65-F5344CB8AC3E}">
-        <p14:creationId xmlns:p14="http://schemas.microsoft.com/office/powerpoint/2010/main" val="3481063110"/>
+        <p14:creationId xmlns:p14="http://schemas.microsoft.com/office/powerpoint/2010/main" val="3370743627"/>
       </p:ext>
     </p:extLst>
   </p:cSld>
@@ -2159,7 +2159,7 @@
           <p:cNvPr id="2" name="标题 1">
             <a:extLst>
               <a:ext uri="{FF2B5EF4-FFF2-40B4-BE49-F238E27FC236}">
-                <a16:creationId xmlns:a16="http://schemas.microsoft.com/office/drawing/2014/main" id="{50F8055E-3D53-DD56-0AFD-B8E42AF64BDE}"/>
+                <a16:creationId xmlns:a16="http://schemas.microsoft.com/office/drawing/2014/main" id="{6592DB1A-DAA9-DE39-1CCE-EB62780D5860}"/>
               </a:ext>
             </a:extLst>
           </p:cNvPr>
@@ -2196,7 +2196,7 @@
           <p:cNvPr id="3" name="内容占位符 2">
             <a:extLst>
               <a:ext uri="{FF2B5EF4-FFF2-40B4-BE49-F238E27FC236}">
-                <a16:creationId xmlns:a16="http://schemas.microsoft.com/office/drawing/2014/main" id="{E1A94B80-A840-D6AE-C6D9-EC6E25524C3E}"/>
+                <a16:creationId xmlns:a16="http://schemas.microsoft.com/office/drawing/2014/main" id="{E892A040-5AED-BBC9-D3B4-3D456636C7E9}"/>
               </a:ext>
             </a:extLst>
           </p:cNvPr>
@@ -2286,7 +2286,7 @@
           <p:cNvPr id="4" name="文本占位符 3">
             <a:extLst>
               <a:ext uri="{FF2B5EF4-FFF2-40B4-BE49-F238E27FC236}">
-                <a16:creationId xmlns:a16="http://schemas.microsoft.com/office/drawing/2014/main" id="{679483E6-A2EC-133C-CD1E-8D565FC3E988}"/>
+                <a16:creationId xmlns:a16="http://schemas.microsoft.com/office/drawing/2014/main" id="{B8644DC7-B2A7-7FF8-EA4E-1D8EEACAA4B4}"/>
               </a:ext>
             </a:extLst>
           </p:cNvPr>
@@ -2357,7 +2357,7 @@
           <p:cNvPr id="5" name="日期占位符 4">
             <a:extLst>
               <a:ext uri="{FF2B5EF4-FFF2-40B4-BE49-F238E27FC236}">
-                <a16:creationId xmlns:a16="http://schemas.microsoft.com/office/drawing/2014/main" id="{F589C693-3B00-00C4-8AF8-EC01CF111661}"/>
+                <a16:creationId xmlns:a16="http://schemas.microsoft.com/office/drawing/2014/main" id="{47829C09-20B5-B7D4-A4B6-DABBFFA70B7D}"/>
               </a:ext>
             </a:extLst>
           </p:cNvPr>
@@ -2373,7 +2373,7 @@
           <a:bodyPr/>
           <a:lstStyle/>
           <a:p>
-            <a:fld id="{199E7E3A-2EE9-463A-9960-6430F9241ABF}" type="datetimeFigureOut">
+            <a:fld id="{EB2A96D8-D90C-4978-A003-46073277A444}" type="datetimeFigureOut">
               <a:rPr lang="zh-CN" altLang="en-US" smtClean="0"/>
               <a:t>2024/3/10</a:t>
             </a:fld>
@@ -2386,7 +2386,7 @@
           <p:cNvPr id="6" name="页脚占位符 5">
             <a:extLst>
               <a:ext uri="{FF2B5EF4-FFF2-40B4-BE49-F238E27FC236}">
-                <a16:creationId xmlns:a16="http://schemas.microsoft.com/office/drawing/2014/main" id="{C9688955-CE09-14EF-553E-B09008F3B65D}"/>
+                <a16:creationId xmlns:a16="http://schemas.microsoft.com/office/drawing/2014/main" id="{48B988C0-477D-EF37-E56E-A285ABB1731D}"/>
               </a:ext>
             </a:extLst>
           </p:cNvPr>
@@ -2411,7 +2411,7 @@
           <p:cNvPr id="7" name="灯片编号占位符 6">
             <a:extLst>
               <a:ext uri="{FF2B5EF4-FFF2-40B4-BE49-F238E27FC236}">
-                <a16:creationId xmlns:a16="http://schemas.microsoft.com/office/drawing/2014/main" id="{3D019F3E-95C0-3383-5E48-B302C0634E88}"/>
+                <a16:creationId xmlns:a16="http://schemas.microsoft.com/office/drawing/2014/main" id="{F475AE20-7071-56DE-C455-F336C923CFD1}"/>
               </a:ext>
             </a:extLst>
           </p:cNvPr>
@@ -2427,7 +2427,7 @@
           <a:bodyPr/>
           <a:lstStyle/>
           <a:p>
-            <a:fld id="{A9F3D8AB-8314-4C48-8D17-77EF6D470049}" type="slidenum">
+            <a:fld id="{1D82DDD1-53E0-4D66-AE10-5E363B84E021}" type="slidenum">
               <a:rPr lang="zh-CN" altLang="en-US" smtClean="0"/>
               <a:t>‹#›</a:t>
             </a:fld>
@@ -2438,7 +2438,7 @@
     </p:spTree>
     <p:extLst>
       <p:ext uri="{BB962C8B-B14F-4D97-AF65-F5344CB8AC3E}">
-        <p14:creationId xmlns:p14="http://schemas.microsoft.com/office/powerpoint/2010/main" val="2295877725"/>
+        <p14:creationId xmlns:p14="http://schemas.microsoft.com/office/powerpoint/2010/main" val="4236091591"/>
       </p:ext>
     </p:extLst>
   </p:cSld>
@@ -2470,7 +2470,7 @@
           <p:cNvPr id="2" name="标题 1">
             <a:extLst>
               <a:ext uri="{FF2B5EF4-FFF2-40B4-BE49-F238E27FC236}">
-                <a16:creationId xmlns:a16="http://schemas.microsoft.com/office/drawing/2014/main" id="{F259AB2B-81A6-F7AC-BBDA-8C5C2034A847}"/>
+                <a16:creationId xmlns:a16="http://schemas.microsoft.com/office/drawing/2014/main" id="{059A17CF-1F04-8512-37F4-AA16B7F9D422}"/>
               </a:ext>
             </a:extLst>
           </p:cNvPr>
@@ -2507,7 +2507,7 @@
           <p:cNvPr id="3" name="图片占位符 2">
             <a:extLst>
               <a:ext uri="{FF2B5EF4-FFF2-40B4-BE49-F238E27FC236}">
-                <a16:creationId xmlns:a16="http://schemas.microsoft.com/office/drawing/2014/main" id="{BE194A30-3189-8EA3-2AB8-1AC2869976B3}"/>
+                <a16:creationId xmlns:a16="http://schemas.microsoft.com/office/drawing/2014/main" id="{DA71438C-D6E7-3D96-90AA-5C3E48BC8A08}"/>
               </a:ext>
             </a:extLst>
           </p:cNvPr>
@@ -2574,7 +2574,7 @@
           <p:cNvPr id="4" name="文本占位符 3">
             <a:extLst>
               <a:ext uri="{FF2B5EF4-FFF2-40B4-BE49-F238E27FC236}">
-                <a16:creationId xmlns:a16="http://schemas.microsoft.com/office/drawing/2014/main" id="{BF929876-BF40-D262-7493-93352DBA9288}"/>
+                <a16:creationId xmlns:a16="http://schemas.microsoft.com/office/drawing/2014/main" id="{29FCF235-8EAD-D4E0-497A-12059D7F44D7}"/>
               </a:ext>
             </a:extLst>
           </p:cNvPr>
@@ -2645,7 +2645,7 @@
           <p:cNvPr id="5" name="日期占位符 4">
             <a:extLst>
               <a:ext uri="{FF2B5EF4-FFF2-40B4-BE49-F238E27FC236}">
-                <a16:creationId xmlns:a16="http://schemas.microsoft.com/office/drawing/2014/main" id="{AB50AA7E-4D0C-591C-9265-939080F7CF37}"/>
+                <a16:creationId xmlns:a16="http://schemas.microsoft.com/office/drawing/2014/main" id="{EBB2D928-FAC1-E141-2919-76769D366C4B}"/>
               </a:ext>
             </a:extLst>
           </p:cNvPr>
@@ -2661,7 +2661,7 @@
           <a:bodyPr/>
           <a:lstStyle/>
           <a:p>
-            <a:fld id="{199E7E3A-2EE9-463A-9960-6430F9241ABF}" type="datetimeFigureOut">
+            <a:fld id="{EB2A96D8-D90C-4978-A003-46073277A444}" type="datetimeFigureOut">
               <a:rPr lang="zh-CN" altLang="en-US" smtClean="0"/>
               <a:t>2024/3/10</a:t>
             </a:fld>
@@ -2674,7 +2674,7 @@
           <p:cNvPr id="6" name="页脚占位符 5">
             <a:extLst>
               <a:ext uri="{FF2B5EF4-FFF2-40B4-BE49-F238E27FC236}">
-                <a16:creationId xmlns:a16="http://schemas.microsoft.com/office/drawing/2014/main" id="{360193DD-42CF-3064-7CDF-67987AB0C1A4}"/>
+                <a16:creationId xmlns:a16="http://schemas.microsoft.com/office/drawing/2014/main" id="{E267630E-D2F7-5089-8DE9-9D138DDC62DF}"/>
               </a:ext>
             </a:extLst>
           </p:cNvPr>
@@ -2699,7 +2699,7 @@
           <p:cNvPr id="7" name="灯片编号占位符 6">
             <a:extLst>
               <a:ext uri="{FF2B5EF4-FFF2-40B4-BE49-F238E27FC236}">
-                <a16:creationId xmlns:a16="http://schemas.microsoft.com/office/drawing/2014/main" id="{EDB5DABE-6B7F-3BD4-1026-51294E93E5FA}"/>
+                <a16:creationId xmlns:a16="http://schemas.microsoft.com/office/drawing/2014/main" id="{62743CF4-98D7-E14E-AA22-DB95192E23DB}"/>
               </a:ext>
             </a:extLst>
           </p:cNvPr>
@@ -2715,7 +2715,7 @@
           <a:bodyPr/>
           <a:lstStyle/>
           <a:p>
-            <a:fld id="{A9F3D8AB-8314-4C48-8D17-77EF6D470049}" type="slidenum">
+            <a:fld id="{1D82DDD1-53E0-4D66-AE10-5E363B84E021}" type="slidenum">
               <a:rPr lang="zh-CN" altLang="en-US" smtClean="0"/>
               <a:t>‹#›</a:t>
             </a:fld>
@@ -2726,7 +2726,7 @@
     </p:spTree>
     <p:extLst>
       <p:ext uri="{BB962C8B-B14F-4D97-AF65-F5344CB8AC3E}">
-        <p14:creationId xmlns:p14="http://schemas.microsoft.com/office/powerpoint/2010/main" val="3921767552"/>
+        <p14:creationId xmlns:p14="http://schemas.microsoft.com/office/powerpoint/2010/main" val="3346323788"/>
       </p:ext>
     </p:extLst>
   </p:cSld>
@@ -2763,7 +2763,7 @@
           <p:cNvPr id="2" name="标题占位符 1">
             <a:extLst>
               <a:ext uri="{FF2B5EF4-FFF2-40B4-BE49-F238E27FC236}">
-                <a16:creationId xmlns:a16="http://schemas.microsoft.com/office/drawing/2014/main" id="{46806417-0E86-3A17-F34D-C94BAD060C76}"/>
+                <a16:creationId xmlns:a16="http://schemas.microsoft.com/office/drawing/2014/main" id="{5E692F6F-57E5-1150-8D71-1B628976DEC7}"/>
               </a:ext>
             </a:extLst>
           </p:cNvPr>
@@ -2801,7 +2801,7 @@
           <p:cNvPr id="3" name="文本占位符 2">
             <a:extLst>
               <a:ext uri="{FF2B5EF4-FFF2-40B4-BE49-F238E27FC236}">
-                <a16:creationId xmlns:a16="http://schemas.microsoft.com/office/drawing/2014/main" id="{5E6DFD29-B00D-A33D-6282-5ACDEB0ADF2D}"/>
+                <a16:creationId xmlns:a16="http://schemas.microsoft.com/office/drawing/2014/main" id="{C9FAB4D3-BB3C-BA6A-8C32-04B777831DF7}"/>
               </a:ext>
             </a:extLst>
           </p:cNvPr>
@@ -2868,7 +2868,7 @@
           <p:cNvPr id="4" name="日期占位符 3">
             <a:extLst>
               <a:ext uri="{FF2B5EF4-FFF2-40B4-BE49-F238E27FC236}">
-                <a16:creationId xmlns:a16="http://schemas.microsoft.com/office/drawing/2014/main" id="{8935C3E0-96F5-630E-F2C9-CDB721A97B96}"/>
+                <a16:creationId xmlns:a16="http://schemas.microsoft.com/office/drawing/2014/main" id="{A46BE4C1-4C13-A7E0-9776-FA9AA2638DD5}"/>
               </a:ext>
             </a:extLst>
           </p:cNvPr>
@@ -2902,7 +2902,7 @@
             </a:lvl1pPr>
           </a:lstStyle>
           <a:p>
-            <a:fld id="{199E7E3A-2EE9-463A-9960-6430F9241ABF}" type="datetimeFigureOut">
+            <a:fld id="{EB2A96D8-D90C-4978-A003-46073277A444}" type="datetimeFigureOut">
               <a:rPr lang="zh-CN" altLang="en-US" smtClean="0"/>
               <a:t>2024/3/10</a:t>
             </a:fld>
@@ -2915,7 +2915,7 @@
           <p:cNvPr id="5" name="页脚占位符 4">
             <a:extLst>
               <a:ext uri="{FF2B5EF4-FFF2-40B4-BE49-F238E27FC236}">
-                <a16:creationId xmlns:a16="http://schemas.microsoft.com/office/drawing/2014/main" id="{4888005C-6ADD-384F-EEA9-AE9DB4CB3587}"/>
+                <a16:creationId xmlns:a16="http://schemas.microsoft.com/office/drawing/2014/main" id="{739D6979-DAB4-0AAA-A59C-8E6C6379B680}"/>
               </a:ext>
             </a:extLst>
           </p:cNvPr>
@@ -2958,7 +2958,7 @@
           <p:cNvPr id="6" name="灯片编号占位符 5">
             <a:extLst>
               <a:ext uri="{FF2B5EF4-FFF2-40B4-BE49-F238E27FC236}">
-                <a16:creationId xmlns:a16="http://schemas.microsoft.com/office/drawing/2014/main" id="{DDA51FB8-F30A-6308-1024-DC9006519E41}"/>
+                <a16:creationId xmlns:a16="http://schemas.microsoft.com/office/drawing/2014/main" id="{30A82999-5496-F6C8-BB00-4EC7DADBC410}"/>
               </a:ext>
             </a:extLst>
           </p:cNvPr>
@@ -2992,7 +2992,7 @@
             </a:lvl1pPr>
           </a:lstStyle>
           <a:p>
-            <a:fld id="{A9F3D8AB-8314-4C48-8D17-77EF6D470049}" type="slidenum">
+            <a:fld id="{1D82DDD1-53E0-4D66-AE10-5E363B84E021}" type="slidenum">
               <a:rPr lang="zh-CN" altLang="en-US" smtClean="0"/>
               <a:t>‹#›</a:t>
             </a:fld>
@@ -3003,7 +3003,7 @@
     </p:spTree>
     <p:extLst>
       <p:ext uri="{BB962C8B-B14F-4D97-AF65-F5344CB8AC3E}">
-        <p14:creationId xmlns:p14="http://schemas.microsoft.com/office/powerpoint/2010/main" val="1969915864"/>
+        <p14:creationId xmlns:p14="http://schemas.microsoft.com/office/powerpoint/2010/main" val="2156811195"/>
       </p:ext>
     </p:extLst>
   </p:cSld>
